--- a/視窗程式設計-期末報告.pptx
+++ b/視窗程式設計-期末報告.pptx
@@ -8,6 +8,7 @@
     <p:sldId id="256" r:id="rId2"/>
     <p:sldId id="258" r:id="rId3"/>
     <p:sldId id="259" r:id="rId4"/>
+    <p:sldId id="261" r:id="rId5"/>
   </p:sldIdLst>
   <p:sldSz cx="12192000" cy="6858000"/>
   <p:notesSz cx="6858000" cy="9144000"/>
@@ -117,7 +118,7 @@
 <file path=ppt/revisionInfo.xml><?xml version="1.0" encoding="utf-8"?>
 <p1510:revInfo xmlns:a="http://schemas.openxmlformats.org/drawingml/2006/main" xmlns:r="http://schemas.openxmlformats.org/officeDocument/2006/relationships" xmlns:p1510="http://schemas.microsoft.com/office/powerpoint/2015/10/main">
   <p1510:revLst>
-    <p1510:client id="{F31D1197-D203-47C7-90CE-180263280774}" v="23" dt="2025-05-31T10:23:52.791"/>
+    <p1510:client id="{F31D1197-D203-47C7-90CE-180263280774}" v="27" dt="2025-06-02T12:05:27.931"/>
   </p1510:revLst>
 </p1510:revInfo>
 </file>
@@ -126,8 +127,8 @@
 <pc:chgInfo xmlns:a="http://schemas.openxmlformats.org/drawingml/2006/main" xmlns:r="http://schemas.openxmlformats.org/officeDocument/2006/relationships" xmlns:ac="http://schemas.microsoft.com/office/drawing/2013/main/command" xmlns:pc="http://schemas.microsoft.com/office/powerpoint/2013/main/command">
   <pc:docChgLst>
     <pc:chgData name="Joanna Ho" userId="7cfe6be9dfb70f63" providerId="LiveId" clId="{F31D1197-D203-47C7-90CE-180263280774}"/>
-    <pc:docChg chg="undo custSel addSld delSld modSld">
-      <pc:chgData name="Joanna Ho" userId="7cfe6be9dfb70f63" providerId="LiveId" clId="{F31D1197-D203-47C7-90CE-180263280774}" dt="2025-05-31T10:26:04.023" v="1492" actId="1076"/>
+    <pc:docChg chg="undo custSel addSld delSld modSld sldOrd">
+      <pc:chgData name="Joanna Ho" userId="7cfe6be9dfb70f63" providerId="LiveId" clId="{F31D1197-D203-47C7-90CE-180263280774}" dt="2025-06-02T12:11:06.623" v="1648" actId="14100"/>
       <pc:docMkLst>
         <pc:docMk/>
       </pc:docMkLst>
@@ -154,8 +155,8 @@
           </ac:spMkLst>
         </pc:spChg>
       </pc:sldChg>
-      <pc:sldChg chg="modSp mod">
-        <pc:chgData name="Joanna Ho" userId="7cfe6be9dfb70f63" providerId="LiveId" clId="{F31D1197-D203-47C7-90CE-180263280774}" dt="2025-05-31T10:24:14.506" v="1485" actId="113"/>
+      <pc:sldChg chg="modSp mod ord">
+        <pc:chgData name="Joanna Ho" userId="7cfe6be9dfb70f63" providerId="LiveId" clId="{F31D1197-D203-47C7-90CE-180263280774}" dt="2025-06-01T14:38:18.491" v="1514"/>
         <pc:sldMkLst>
           <pc:docMk/>
           <pc:sldMk cId="3340090246" sldId="258"/>
@@ -170,7 +171,7 @@
         </pc:spChg>
       </pc:sldChg>
       <pc:sldChg chg="addSp delSp modSp mod">
-        <pc:chgData name="Joanna Ho" userId="7cfe6be9dfb70f63" providerId="LiveId" clId="{F31D1197-D203-47C7-90CE-180263280774}" dt="2025-05-31T10:26:04.023" v="1492" actId="1076"/>
+        <pc:chgData name="Joanna Ho" userId="7cfe6be9dfb70f63" providerId="LiveId" clId="{F31D1197-D203-47C7-90CE-180263280774}" dt="2025-06-01T14:28:24.067" v="1510" actId="207"/>
         <pc:sldMkLst>
           <pc:docMk/>
           <pc:sldMk cId="2293767276" sldId="259"/>
@@ -184,7 +185,7 @@
           </ac:spMkLst>
         </pc:spChg>
         <pc:spChg chg="add mod">
-          <ac:chgData name="Joanna Ho" userId="7cfe6be9dfb70f63" providerId="LiveId" clId="{F31D1197-D203-47C7-90CE-180263280774}" dt="2025-05-31T10:17:26.123" v="1415" actId="14100"/>
+          <ac:chgData name="Joanna Ho" userId="7cfe6be9dfb70f63" providerId="LiveId" clId="{F31D1197-D203-47C7-90CE-180263280774}" dt="2025-06-01T14:28:24.067" v="1510" actId="207"/>
           <ac:spMkLst>
             <pc:docMk/>
             <pc:sldMk cId="2293767276" sldId="259"/>
@@ -192,7 +193,7 @@
           </ac:spMkLst>
         </pc:spChg>
         <pc:spChg chg="add mod">
-          <ac:chgData name="Joanna Ho" userId="7cfe6be9dfb70f63" providerId="LiveId" clId="{F31D1197-D203-47C7-90CE-180263280774}" dt="2025-05-31T10:17:33.301" v="1419" actId="692"/>
+          <ac:chgData name="Joanna Ho" userId="7cfe6be9dfb70f63" providerId="LiveId" clId="{F31D1197-D203-47C7-90CE-180263280774}" dt="2025-06-01T14:28:07.725" v="1507" actId="208"/>
           <ac:spMkLst>
             <pc:docMk/>
             <pc:sldMk cId="2293767276" sldId="259"/>
@@ -200,7 +201,7 @@
           </ac:spMkLst>
         </pc:spChg>
         <pc:spChg chg="add mod">
-          <ac:chgData name="Joanna Ho" userId="7cfe6be9dfb70f63" providerId="LiveId" clId="{F31D1197-D203-47C7-90CE-180263280774}" dt="2025-05-31T10:22:05.515" v="1465" actId="6549"/>
+          <ac:chgData name="Joanna Ho" userId="7cfe6be9dfb70f63" providerId="LiveId" clId="{F31D1197-D203-47C7-90CE-180263280774}" dt="2025-06-01T14:28:13.613" v="1508" actId="207"/>
           <ac:spMkLst>
             <pc:docMk/>
             <pc:sldMk cId="2293767276" sldId="259"/>
@@ -208,7 +209,7 @@
           </ac:spMkLst>
         </pc:spChg>
         <pc:spChg chg="add mod">
-          <ac:chgData name="Joanna Ho" userId="7cfe6be9dfb70f63" providerId="LiveId" clId="{F31D1197-D203-47C7-90CE-180263280774}" dt="2025-05-31T10:22:01.784" v="1464" actId="6549"/>
+          <ac:chgData name="Joanna Ho" userId="7cfe6be9dfb70f63" providerId="LiveId" clId="{F31D1197-D203-47C7-90CE-180263280774}" dt="2025-06-01T14:28:19.018" v="1509" actId="207"/>
           <ac:spMkLst>
             <pc:docMk/>
             <pc:sldMk cId="2293767276" sldId="259"/>
@@ -216,7 +217,7 @@
           </ac:spMkLst>
         </pc:spChg>
         <pc:spChg chg="add mod">
-          <ac:chgData name="Joanna Ho" userId="7cfe6be9dfb70f63" providerId="LiveId" clId="{F31D1197-D203-47C7-90CE-180263280774}" dt="2025-05-31T10:23:45.143" v="1479" actId="1076"/>
+          <ac:chgData name="Joanna Ho" userId="7cfe6be9dfb70f63" providerId="LiveId" clId="{F31D1197-D203-47C7-90CE-180263280774}" dt="2025-06-01T14:27:38.924" v="1500" actId="207"/>
           <ac:spMkLst>
             <pc:docMk/>
             <pc:sldMk cId="2293767276" sldId="259"/>
@@ -224,7 +225,7 @@
           </ac:spMkLst>
         </pc:spChg>
         <pc:spChg chg="add mod">
-          <ac:chgData name="Joanna Ho" userId="7cfe6be9dfb70f63" providerId="LiveId" clId="{F31D1197-D203-47C7-90CE-180263280774}" dt="2025-05-31T10:23:48.774" v="1480" actId="1076"/>
+          <ac:chgData name="Joanna Ho" userId="7cfe6be9dfb70f63" providerId="LiveId" clId="{F31D1197-D203-47C7-90CE-180263280774}" dt="2025-06-01T14:27:35.093" v="1499" actId="207"/>
           <ac:spMkLst>
             <pc:docMk/>
             <pc:sldMk cId="2293767276" sldId="259"/>
@@ -232,7 +233,7 @@
           </ac:spMkLst>
         </pc:spChg>
         <pc:spChg chg="add mod">
-          <ac:chgData name="Joanna Ho" userId="7cfe6be9dfb70f63" providerId="LiveId" clId="{F31D1197-D203-47C7-90CE-180263280774}" dt="2025-05-31T10:22:45.408" v="1469" actId="1076"/>
+          <ac:chgData name="Joanna Ho" userId="7cfe6be9dfb70f63" providerId="LiveId" clId="{F31D1197-D203-47C7-90CE-180263280774}" dt="2025-06-01T14:27:45.195" v="1502" actId="207"/>
           <ac:spMkLst>
             <pc:docMk/>
             <pc:sldMk cId="2293767276" sldId="259"/>
@@ -240,7 +241,7 @@
           </ac:spMkLst>
         </pc:spChg>
         <pc:spChg chg="add mod">
-          <ac:chgData name="Joanna Ho" userId="7cfe6be9dfb70f63" providerId="LiveId" clId="{F31D1197-D203-47C7-90CE-180263280774}" dt="2025-05-31T10:23:51.786" v="1481" actId="1076"/>
+          <ac:chgData name="Joanna Ho" userId="7cfe6be9dfb70f63" providerId="LiveId" clId="{F31D1197-D203-47C7-90CE-180263280774}" dt="2025-06-01T14:27:11.440" v="1494" actId="207"/>
           <ac:spMkLst>
             <pc:docMk/>
             <pc:sldMk cId="2293767276" sldId="259"/>
@@ -248,7 +249,7 @@
           </ac:spMkLst>
         </pc:spChg>
         <pc:spChg chg="add mod">
-          <ac:chgData name="Joanna Ho" userId="7cfe6be9dfb70f63" providerId="LiveId" clId="{F31D1197-D203-47C7-90CE-180263280774}" dt="2025-05-31T10:23:56.651" v="1483" actId="1076"/>
+          <ac:chgData name="Joanna Ho" userId="7cfe6be9dfb70f63" providerId="LiveId" clId="{F31D1197-D203-47C7-90CE-180263280774}" dt="2025-06-01T14:27:42.151" v="1501" actId="207"/>
           <ac:spMkLst>
             <pc:docMk/>
             <pc:sldMk cId="2293767276" sldId="259"/>
@@ -287,22 +288,6 @@
             <ac:graphicFrameMk id="13" creationId="{7BA854CC-6D95-540F-F346-64A91FE8CC6E}"/>
           </ac:graphicFrameMkLst>
         </pc:graphicFrameChg>
-        <pc:graphicFrameChg chg="del">
-          <ac:chgData name="Joanna Ho" userId="7cfe6be9dfb70f63" providerId="LiveId" clId="{F31D1197-D203-47C7-90CE-180263280774}" dt="2025-05-30T14:47:21.115" v="39" actId="478"/>
-          <ac:graphicFrameMkLst>
-            <pc:docMk/>
-            <pc:sldMk cId="2293767276" sldId="259"/>
-            <ac:graphicFrameMk id="14" creationId="{C9F9E7A3-2711-DDC2-7F53-A0B1D51CA4B9}"/>
-          </ac:graphicFrameMkLst>
-        </pc:graphicFrameChg>
-        <pc:graphicFrameChg chg="del modGraphic">
-          <ac:chgData name="Joanna Ho" userId="7cfe6be9dfb70f63" providerId="LiveId" clId="{F31D1197-D203-47C7-90CE-180263280774}" dt="2025-05-30T14:47:24.268" v="41" actId="478"/>
-          <ac:graphicFrameMkLst>
-            <pc:docMk/>
-            <pc:sldMk cId="2293767276" sldId="259"/>
-            <ac:graphicFrameMk id="15" creationId="{44060712-4ABE-BDE3-AF7E-8B9C699A5CD8}"/>
-          </ac:graphicFrameMkLst>
-        </pc:graphicFrameChg>
         <pc:graphicFrameChg chg="mod modGraphic">
           <ac:chgData name="Joanna Ho" userId="7cfe6be9dfb70f63" providerId="LiveId" clId="{F31D1197-D203-47C7-90CE-180263280774}" dt="2025-05-31T10:12:26.807" v="1377" actId="1076"/>
           <ac:graphicFrameMkLst>
@@ -319,24 +304,8 @@
             <ac:graphicFrameMk id="17" creationId="{E68BFB34-EB7C-93E3-11C4-C9FE9EA04D12}"/>
           </ac:graphicFrameMkLst>
         </pc:graphicFrameChg>
-        <pc:cxnChg chg="add del mod">
-          <ac:chgData name="Joanna Ho" userId="7cfe6be9dfb70f63" providerId="LiveId" clId="{F31D1197-D203-47C7-90CE-180263280774}" dt="2025-05-31T10:09:31.441" v="1354" actId="478"/>
-          <ac:cxnSpMkLst>
-            <pc:docMk/>
-            <pc:sldMk cId="2293767276" sldId="259"/>
-            <ac:cxnSpMk id="4" creationId="{93080C57-AC87-74E1-6EBF-BE94C602309E}"/>
-          </ac:cxnSpMkLst>
-        </pc:cxnChg>
-        <pc:cxnChg chg="add del mod">
-          <ac:chgData name="Joanna Ho" userId="7cfe6be9dfb70f63" providerId="LiveId" clId="{F31D1197-D203-47C7-90CE-180263280774}" dt="2025-05-31T10:09:37.217" v="1357" actId="478"/>
-          <ac:cxnSpMkLst>
-            <pc:docMk/>
-            <pc:sldMk cId="2293767276" sldId="259"/>
-            <ac:cxnSpMk id="6" creationId="{26C78A77-FFFD-4D80-A0B4-E76C683F3F80}"/>
-          </ac:cxnSpMkLst>
-        </pc:cxnChg>
         <pc:cxnChg chg="add mod">
-          <ac:chgData name="Joanna Ho" userId="7cfe6be9dfb70f63" providerId="LiveId" clId="{F31D1197-D203-47C7-90CE-180263280774}" dt="2025-05-31T10:14:05.541" v="1394" actId="1582"/>
+          <ac:chgData name="Joanna Ho" userId="7cfe6be9dfb70f63" providerId="LiveId" clId="{F31D1197-D203-47C7-90CE-180263280774}" dt="2025-06-01T14:27:21.792" v="1496" actId="208"/>
           <ac:cxnSpMkLst>
             <pc:docMk/>
             <pc:sldMk cId="2293767276" sldId="259"/>
@@ -344,7 +313,7 @@
           </ac:cxnSpMkLst>
         </pc:cxnChg>
         <pc:cxnChg chg="add mod">
-          <ac:chgData name="Joanna Ho" userId="7cfe6be9dfb70f63" providerId="LiveId" clId="{F31D1197-D203-47C7-90CE-180263280774}" dt="2025-05-31T10:20:25.332" v="1445" actId="14100"/>
+          <ac:chgData name="Joanna Ho" userId="7cfe6be9dfb70f63" providerId="LiveId" clId="{F31D1197-D203-47C7-90CE-180263280774}" dt="2025-06-01T14:27:15.965" v="1495" actId="208"/>
           <ac:cxnSpMkLst>
             <pc:docMk/>
             <pc:sldMk cId="2293767276" sldId="259"/>
@@ -352,7 +321,7 @@
           </ac:cxnSpMkLst>
         </pc:cxnChg>
         <pc:cxnChg chg="add mod">
-          <ac:chgData name="Joanna Ho" userId="7cfe6be9dfb70f63" providerId="LiveId" clId="{F31D1197-D203-47C7-90CE-180263280774}" dt="2025-05-31T10:13:59.066" v="1393" actId="693"/>
+          <ac:chgData name="Joanna Ho" userId="7cfe6be9dfb70f63" providerId="LiveId" clId="{F31D1197-D203-47C7-90CE-180263280774}" dt="2025-06-01T14:27:50.382" v="1503" actId="208"/>
           <ac:cxnSpMkLst>
             <pc:docMk/>
             <pc:sldMk cId="2293767276" sldId="259"/>
@@ -360,7 +329,7 @@
           </ac:cxnSpMkLst>
         </pc:cxnChg>
         <pc:cxnChg chg="add mod">
-          <ac:chgData name="Joanna Ho" userId="7cfe6be9dfb70f63" providerId="LiveId" clId="{F31D1197-D203-47C7-90CE-180263280774}" dt="2025-05-31T10:14:45.852" v="1398" actId="14100"/>
+          <ac:chgData name="Joanna Ho" userId="7cfe6be9dfb70f63" providerId="LiveId" clId="{F31D1197-D203-47C7-90CE-180263280774}" dt="2025-06-01T14:27:31.529" v="1498" actId="208"/>
           <ac:cxnSpMkLst>
             <pc:docMk/>
             <pc:sldMk cId="2293767276" sldId="259"/>
@@ -368,7 +337,7 @@
           </ac:cxnSpMkLst>
         </pc:cxnChg>
         <pc:cxnChg chg="add mod">
-          <ac:chgData name="Joanna Ho" userId="7cfe6be9dfb70f63" providerId="LiveId" clId="{F31D1197-D203-47C7-90CE-180263280774}" dt="2025-05-31T10:14:55.707" v="1401" actId="14100"/>
+          <ac:chgData name="Joanna Ho" userId="7cfe6be9dfb70f63" providerId="LiveId" clId="{F31D1197-D203-47C7-90CE-180263280774}" dt="2025-06-01T14:27:26.386" v="1497" actId="208"/>
           <ac:cxnSpMkLst>
             <pc:docMk/>
             <pc:sldMk cId="2293767276" sldId="259"/>
@@ -376,7 +345,7 @@
           </ac:cxnSpMkLst>
         </pc:cxnChg>
         <pc:cxnChg chg="add mod">
-          <ac:chgData name="Joanna Ho" userId="7cfe6be9dfb70f63" providerId="LiveId" clId="{F31D1197-D203-47C7-90CE-180263280774}" dt="2025-05-31T10:17:26.123" v="1415" actId="14100"/>
+          <ac:chgData name="Joanna Ho" userId="7cfe6be9dfb70f63" providerId="LiveId" clId="{F31D1197-D203-47C7-90CE-180263280774}" dt="2025-06-01T14:27:54.760" v="1504" actId="208"/>
           <ac:cxnSpMkLst>
             <pc:docMk/>
             <pc:sldMk cId="2293767276" sldId="259"/>
@@ -384,7 +353,7 @@
           </ac:cxnSpMkLst>
         </pc:cxnChg>
         <pc:cxnChg chg="add mod">
-          <ac:chgData name="Joanna Ho" userId="7cfe6be9dfb70f63" providerId="LiveId" clId="{F31D1197-D203-47C7-90CE-180263280774}" dt="2025-05-31T10:17:46.689" v="1422" actId="14100"/>
+          <ac:chgData name="Joanna Ho" userId="7cfe6be9dfb70f63" providerId="LiveId" clId="{F31D1197-D203-47C7-90CE-180263280774}" dt="2025-06-01T14:28:03.562" v="1506" actId="208"/>
           <ac:cxnSpMkLst>
             <pc:docMk/>
             <pc:sldMk cId="2293767276" sldId="259"/>
@@ -393,10 +362,71 @@
         </pc:cxnChg>
       </pc:sldChg>
       <pc:sldChg chg="new del">
+        <pc:chgData name="Joanna Ho" userId="7cfe6be9dfb70f63" providerId="LiveId" clId="{F31D1197-D203-47C7-90CE-180263280774}" dt="2025-06-01T15:18:43.649" v="1517" actId="47"/>
+        <pc:sldMkLst>
+          <pc:docMk/>
+          <pc:sldMk cId="169514216" sldId="260"/>
+        </pc:sldMkLst>
+      </pc:sldChg>
+      <pc:sldChg chg="new del">
         <pc:chgData name="Joanna Ho" userId="7cfe6be9dfb70f63" providerId="LiveId" clId="{F31D1197-D203-47C7-90CE-180263280774}" dt="2025-05-30T14:44:45.043" v="6" actId="47"/>
         <pc:sldMkLst>
           <pc:docMk/>
           <pc:sldMk cId="2479506076" sldId="260"/>
+        </pc:sldMkLst>
+      </pc:sldChg>
+      <pc:sldChg chg="addSp delSp modSp add mod">
+        <pc:chgData name="Joanna Ho" userId="7cfe6be9dfb70f63" providerId="LiveId" clId="{F31D1197-D203-47C7-90CE-180263280774}" dt="2025-06-02T12:11:06.623" v="1648" actId="14100"/>
+        <pc:sldMkLst>
+          <pc:docMk/>
+          <pc:sldMk cId="2492448246" sldId="261"/>
+        </pc:sldMkLst>
+        <pc:spChg chg="mod">
+          <ac:chgData name="Joanna Ho" userId="7cfe6be9dfb70f63" providerId="LiveId" clId="{F31D1197-D203-47C7-90CE-180263280774}" dt="2025-06-02T12:06:35.082" v="1545"/>
+          <ac:spMkLst>
+            <pc:docMk/>
+            <pc:sldMk cId="2492448246" sldId="261"/>
+            <ac:spMk id="2" creationId="{8B146489-9079-0884-6E16-A15F5D7BAA9B}"/>
+          </ac:spMkLst>
+        </pc:spChg>
+        <pc:spChg chg="add mod">
+          <ac:chgData name="Joanna Ho" userId="7cfe6be9dfb70f63" providerId="LiveId" clId="{F31D1197-D203-47C7-90CE-180263280774}" dt="2025-06-02T12:10:48.386" v="1647" actId="1076"/>
+          <ac:spMkLst>
+            <pc:docMk/>
+            <pc:sldMk cId="2492448246" sldId="261"/>
+            <ac:spMk id="5" creationId="{564DBD70-E87E-B16D-876E-2830F5F9429B}"/>
+          </ac:spMkLst>
+        </pc:spChg>
+        <pc:graphicFrameChg chg="add del mod modGraphic">
+          <ac:chgData name="Joanna Ho" userId="7cfe6be9dfb70f63" providerId="LiveId" clId="{F31D1197-D203-47C7-90CE-180263280774}" dt="2025-06-02T12:05:58.487" v="1540" actId="478"/>
+          <ac:graphicFrameMkLst>
+            <pc:docMk/>
+            <pc:sldMk cId="2492448246" sldId="261"/>
+            <ac:graphicFrameMk id="4" creationId="{B6F7C18E-2422-9DBB-F906-CA8682690C97}"/>
+          </ac:graphicFrameMkLst>
+        </pc:graphicFrameChg>
+        <pc:picChg chg="add mod">
+          <ac:chgData name="Joanna Ho" userId="7cfe6be9dfb70f63" providerId="LiveId" clId="{F31D1197-D203-47C7-90CE-180263280774}" dt="2025-06-02T12:11:06.623" v="1648" actId="14100"/>
+          <ac:picMkLst>
+            <pc:docMk/>
+            <pc:sldMk cId="2492448246" sldId="261"/>
+            <ac:picMk id="3" creationId="{2707A532-C4D5-EF6B-E9CD-501FD26C3089}"/>
+          </ac:picMkLst>
+        </pc:picChg>
+        <pc:picChg chg="del">
+          <ac:chgData name="Joanna Ho" userId="7cfe6be9dfb70f63" providerId="LiveId" clId="{F31D1197-D203-47C7-90CE-180263280774}" dt="2025-06-01T15:18:45.130" v="1518" actId="478"/>
+          <ac:picMkLst>
+            <pc:docMk/>
+            <pc:sldMk cId="2492448246" sldId="261"/>
+            <ac:picMk id="4" creationId="{682F1D06-BBA9-2E8E-0FA6-B5E05423E3EB}"/>
+          </ac:picMkLst>
+        </pc:picChg>
+      </pc:sldChg>
+      <pc:sldChg chg="add del">
+        <pc:chgData name="Joanna Ho" userId="7cfe6be9dfb70f63" providerId="LiveId" clId="{F31D1197-D203-47C7-90CE-180263280774}" dt="2025-06-01T15:18:49.278" v="1520" actId="47"/>
+        <pc:sldMkLst>
+          <pc:docMk/>
+          <pc:sldMk cId="2317729021" sldId="262"/>
         </pc:sldMkLst>
       </pc:sldChg>
     </pc:docChg>
@@ -596,7 +626,7 @@
             <a:fld id="{B61BEF0D-F0BB-DE4B-95CE-6DB70DBA9567}" type="datetimeFigureOut">
               <a:rPr lang="en-US" dirty="0"/>
               <a:pPr/>
-              <a:t>5/31/2025</a:t>
+              <a:t>6/2/2025</a:t>
             </a:fld>
             <a:endParaRPr lang="en-US" dirty="0"/>
           </a:p>
@@ -1029,7 +1059,7 @@
             <a:fld id="{B61BEF0D-F0BB-DE4B-95CE-6DB70DBA9567}" type="datetimeFigureOut">
               <a:rPr lang="en-US" dirty="0"/>
               <a:pPr/>
-              <a:t>5/31/2025</a:t>
+              <a:t>6/2/2025</a:t>
             </a:fld>
             <a:endParaRPr lang="en-US" dirty="0"/>
           </a:p>
@@ -1276,7 +1306,7 @@
             <a:fld id="{B61BEF0D-F0BB-DE4B-95CE-6DB70DBA9567}" type="datetimeFigureOut">
               <a:rPr lang="en-US" dirty="0"/>
               <a:pPr/>
-              <a:t>5/31/2025</a:t>
+              <a:t>6/2/2025</a:t>
             </a:fld>
             <a:endParaRPr lang="en-US" dirty="0"/>
           </a:p>
@@ -1581,7 +1611,7 @@
             <a:fld id="{B61BEF0D-F0BB-DE4B-95CE-6DB70DBA9567}" type="datetimeFigureOut">
               <a:rPr lang="en-US" dirty="0"/>
               <a:pPr/>
-              <a:t>5/31/2025</a:t>
+              <a:t>6/2/2025</a:t>
             </a:fld>
             <a:endParaRPr lang="en-US" dirty="0"/>
           </a:p>
@@ -1896,7 +1926,7 @@
             <a:fld id="{B61BEF0D-F0BB-DE4B-95CE-6DB70DBA9567}" type="datetimeFigureOut">
               <a:rPr lang="en-US" dirty="0"/>
               <a:pPr/>
-              <a:t>5/31/2025</a:t>
+              <a:t>6/2/2025</a:t>
             </a:fld>
             <a:endParaRPr lang="en-US" dirty="0"/>
           </a:p>
@@ -2195,7 +2225,7 @@
             <a:fld id="{B61BEF0D-F0BB-DE4B-95CE-6DB70DBA9567}" type="datetimeFigureOut">
               <a:rPr lang="en-US" dirty="0"/>
               <a:pPr/>
-              <a:t>5/31/2025</a:t>
+              <a:t>6/2/2025</a:t>
             </a:fld>
             <a:endParaRPr lang="en-US" dirty="0"/>
           </a:p>
@@ -2559,7 +2589,7 @@
             <a:fld id="{B61BEF0D-F0BB-DE4B-95CE-6DB70DBA9567}" type="datetimeFigureOut">
               <a:rPr lang="en-US" dirty="0"/>
               <a:pPr/>
-              <a:t>5/31/2025</a:t>
+              <a:t>6/2/2025</a:t>
             </a:fld>
             <a:endParaRPr lang="en-US" dirty="0"/>
           </a:p>
@@ -2730,7 +2760,7 @@
             <a:fld id="{B61BEF0D-F0BB-DE4B-95CE-6DB70DBA9567}" type="datetimeFigureOut">
               <a:rPr lang="en-US" dirty="0"/>
               <a:pPr/>
-              <a:t>5/31/2025</a:t>
+              <a:t>6/2/2025</a:t>
             </a:fld>
             <a:endParaRPr lang="en-US" dirty="0"/>
           </a:p>
@@ -2907,7 +2937,7 @@
             <a:fld id="{B61BEF0D-F0BB-DE4B-95CE-6DB70DBA9567}" type="datetimeFigureOut">
               <a:rPr lang="en-US" dirty="0"/>
               <a:pPr/>
-              <a:t>5/31/2025</a:t>
+              <a:t>6/2/2025</a:t>
             </a:fld>
             <a:endParaRPr lang="en-US" dirty="0"/>
           </a:p>
@@ -3074,7 +3104,7 @@
             <a:fld id="{B61BEF0D-F0BB-DE4B-95CE-6DB70DBA9567}" type="datetimeFigureOut">
               <a:rPr lang="en-US" dirty="0"/>
               <a:pPr/>
-              <a:t>5/31/2025</a:t>
+              <a:t>6/2/2025</a:t>
             </a:fld>
             <a:endParaRPr lang="en-US" dirty="0"/>
           </a:p>
@@ -3321,7 +3351,7 @@
             <a:fld id="{B61BEF0D-F0BB-DE4B-95CE-6DB70DBA9567}" type="datetimeFigureOut">
               <a:rPr lang="en-US" dirty="0"/>
               <a:pPr/>
-              <a:t>5/31/2025</a:t>
+              <a:t>6/2/2025</a:t>
             </a:fld>
             <a:endParaRPr lang="en-US" dirty="0"/>
           </a:p>
@@ -3554,7 +3584,7 @@
             <a:fld id="{B61BEF0D-F0BB-DE4B-95CE-6DB70DBA9567}" type="datetimeFigureOut">
               <a:rPr lang="en-US" dirty="0"/>
               <a:pPr/>
-              <a:t>5/31/2025</a:t>
+              <a:t>6/2/2025</a:t>
             </a:fld>
             <a:endParaRPr lang="en-US" dirty="0"/>
           </a:p>
@@ -3933,7 +3963,7 @@
             <a:fld id="{B61BEF0D-F0BB-DE4B-95CE-6DB70DBA9567}" type="datetimeFigureOut">
               <a:rPr lang="en-US" dirty="0"/>
               <a:pPr/>
-              <a:t>5/31/2025</a:t>
+              <a:t>6/2/2025</a:t>
             </a:fld>
             <a:endParaRPr lang="en-US" dirty="0"/>
           </a:p>
@@ -4048,7 +4078,7 @@
             <a:fld id="{B61BEF0D-F0BB-DE4B-95CE-6DB70DBA9567}" type="datetimeFigureOut">
               <a:rPr lang="en-US" dirty="0"/>
               <a:pPr/>
-              <a:t>5/31/2025</a:t>
+              <a:t>6/2/2025</a:t>
             </a:fld>
             <a:endParaRPr lang="en-US" dirty="0"/>
           </a:p>
@@ -4140,7 +4170,7 @@
             <a:fld id="{B61BEF0D-F0BB-DE4B-95CE-6DB70DBA9567}" type="datetimeFigureOut">
               <a:rPr lang="en-US" dirty="0"/>
               <a:pPr/>
-              <a:t>5/31/2025</a:t>
+              <a:t>6/2/2025</a:t>
             </a:fld>
             <a:endParaRPr lang="en-US" dirty="0"/>
           </a:p>
@@ -4392,7 +4422,7 @@
             <a:fld id="{B61BEF0D-F0BB-DE4B-95CE-6DB70DBA9567}" type="datetimeFigureOut">
               <a:rPr lang="en-US" dirty="0"/>
               <a:pPr/>
-              <a:t>5/31/2025</a:t>
+              <a:t>6/2/2025</a:t>
             </a:fld>
             <a:endParaRPr lang="en-US" dirty="0"/>
           </a:p>
@@ -4672,7 +4702,7 @@
             <a:fld id="{B61BEF0D-F0BB-DE4B-95CE-6DB70DBA9567}" type="datetimeFigureOut">
               <a:rPr lang="en-US" dirty="0"/>
               <a:pPr/>
-              <a:t>5/31/2025</a:t>
+              <a:t>6/2/2025</a:t>
             </a:fld>
             <a:endParaRPr lang="en-US" dirty="0"/>
           </a:p>
@@ -5075,7 +5105,7 @@
             <a:fld id="{B61BEF0D-F0BB-DE4B-95CE-6DB70DBA9567}" type="datetimeFigureOut">
               <a:rPr lang="en-US" dirty="0"/>
               <a:pPr/>
-              <a:t>5/31/2025</a:t>
+              <a:t>6/2/2025</a:t>
             </a:fld>
             <a:endParaRPr lang="en-US" dirty="0"/>
           </a:p>
@@ -8809,9 +8839,9 @@
           </a:prstGeom>
           <a:ln w="38100">
             <a:solidFill>
-              <a:schemeClr val="tx1">
+              <a:srgbClr val="FFFF00">
                 <a:alpha val="60000"/>
-              </a:schemeClr>
+              </a:srgbClr>
             </a:solidFill>
             <a:tailEnd type="triangle"/>
           </a:ln>
@@ -8856,9 +8886,9 @@
           </a:prstGeom>
           <a:ln w="38100">
             <a:solidFill>
-              <a:schemeClr val="tx1">
+              <a:srgbClr val="FFFF00">
                 <a:alpha val="60000"/>
-              </a:schemeClr>
+              </a:srgbClr>
             </a:solidFill>
             <a:tailEnd type="triangle"/>
           </a:ln>
@@ -8902,9 +8932,9 @@
           </a:prstGeom>
           <a:ln w="38100">
             <a:solidFill>
-              <a:schemeClr val="tx1">
+              <a:srgbClr val="FFFF00">
                 <a:alpha val="60000"/>
-              </a:schemeClr>
+              </a:srgbClr>
             </a:solidFill>
             <a:prstDash val="lgDash"/>
             <a:tailEnd type="triangle"/>
@@ -8951,9 +8981,9 @@
           </a:prstGeom>
           <a:ln w="38100">
             <a:solidFill>
-              <a:schemeClr val="tx1">
+              <a:srgbClr val="FFFF00">
                 <a:alpha val="60000"/>
-              </a:schemeClr>
+              </a:srgbClr>
             </a:solidFill>
             <a:prstDash val="lgDash"/>
             <a:tailEnd type="triangle"/>
@@ -8999,9 +9029,9 @@
           </a:prstGeom>
           <a:ln w="38100">
             <a:solidFill>
-              <a:schemeClr val="tx1">
+              <a:srgbClr val="FFFF00">
                 <a:alpha val="60000"/>
-              </a:schemeClr>
+              </a:srgbClr>
             </a:solidFill>
             <a:prstDash val="lgDash"/>
             <a:tailEnd type="triangle"/>
@@ -9043,11 +9073,11 @@
             <a:avLst/>
           </a:prstGeom>
           <a:solidFill>
-            <a:schemeClr val="tx1"/>
+            <a:srgbClr val="FFFF00"/>
           </a:solidFill>
           <a:ln>
             <a:solidFill>
-              <a:schemeClr val="tx1"/>
+              <a:srgbClr val="FFFF00"/>
             </a:solidFill>
           </a:ln>
         </p:spPr>
@@ -9101,9 +9131,9 @@
           </a:prstGeom>
           <a:ln w="38100">
             <a:solidFill>
-              <a:schemeClr val="tx1">
+              <a:srgbClr val="FFFF00">
                 <a:alpha val="60000"/>
-              </a:schemeClr>
+              </a:srgbClr>
             </a:solidFill>
             <a:tailEnd type="triangle"/>
           </a:ln>
@@ -9146,7 +9176,7 @@
           <a:noFill/>
           <a:ln w="25400">
             <a:solidFill>
-              <a:schemeClr val="tx1"/>
+              <a:srgbClr val="FFFF00"/>
             </a:solidFill>
           </a:ln>
         </p:spPr>
@@ -9202,9 +9232,9 @@
           </a:prstGeom>
           <a:ln w="38100">
             <a:solidFill>
-              <a:schemeClr val="tx1">
+              <a:srgbClr val="FFFF00">
                 <a:alpha val="60000"/>
-              </a:schemeClr>
+              </a:srgbClr>
             </a:solidFill>
             <a:tailEnd type="triangle"/>
           </a:ln>
@@ -9254,17 +9284,28 @@
           <a:p>
             <a:pPr algn="ctr"/>
             <a:r>
-              <a:rPr lang="en-US" altLang="zh-TW" sz="1200" b="1" dirty="0"/>
+              <a:rPr lang="en-US" altLang="zh-TW" sz="1200" b="1" dirty="0">
+                <a:solidFill>
+                  <a:srgbClr val="FFFF00"/>
+                </a:solidFill>
+              </a:rPr>
               <a:t>Aggregation</a:t>
             </a:r>
             <a:r>
               <a:rPr lang="zh-TW" altLang="en-US" sz="1200" b="1" i="0" dirty="0">
+                <a:solidFill>
+                  <a:srgbClr val="FFFF00"/>
+                </a:solidFill>
                 <a:effectLst/>
                 <a:latin typeface="Lato" panose="020F0502020204030203" pitchFamily="34" charset="0"/>
               </a:rPr>
               <a:t>聚合</a:t>
             </a:r>
-            <a:endParaRPr lang="zh-TW" altLang="en-US" sz="1200" b="1" dirty="0"/>
+            <a:endParaRPr lang="zh-TW" altLang="en-US" sz="1200" b="1" dirty="0">
+              <a:solidFill>
+                <a:srgbClr val="FFFF00"/>
+              </a:solidFill>
+            </a:endParaRPr>
           </a:p>
         </p:txBody>
       </p:sp>
@@ -9298,17 +9339,28 @@
           <a:p>
             <a:pPr algn="ctr"/>
             <a:r>
-              <a:rPr lang="en-US" altLang="zh-TW" sz="1200" b="1" dirty="0"/>
+              <a:rPr lang="en-US" altLang="zh-TW" sz="1200" b="1" dirty="0">
+                <a:solidFill>
+                  <a:srgbClr val="FFFF00"/>
+                </a:solidFill>
+              </a:rPr>
               <a:t>Composition</a:t>
             </a:r>
             <a:r>
               <a:rPr lang="zh-TW" altLang="en-US" sz="1200" b="1" i="0" dirty="0">
+                <a:solidFill>
+                  <a:srgbClr val="FFFF00"/>
+                </a:solidFill>
                 <a:effectLst/>
                 <a:latin typeface="Lato" panose="020F0502020204030203" pitchFamily="34" charset="0"/>
               </a:rPr>
               <a:t>組成</a:t>
             </a:r>
-            <a:endParaRPr lang="zh-TW" altLang="en-US" sz="1200" b="1" dirty="0"/>
+            <a:endParaRPr lang="zh-TW" altLang="en-US" sz="1200" b="1" dirty="0">
+              <a:solidFill>
+                <a:srgbClr val="FFFF00"/>
+              </a:solidFill>
+            </a:endParaRPr>
           </a:p>
         </p:txBody>
       </p:sp>
@@ -9341,7 +9393,11 @@
           <a:lstStyle/>
           <a:p>
             <a:r>
-              <a:rPr lang="en-US" altLang="zh-TW" sz="1200" b="1" dirty="0"/>
+              <a:rPr lang="en-US" altLang="zh-TW" sz="1200" b="1" dirty="0">
+                <a:solidFill>
+                  <a:srgbClr val="FFFF00"/>
+                </a:solidFill>
+              </a:rPr>
               <a:t>Implementation</a:t>
             </a:r>
           </a:p>
@@ -9349,6 +9405,9 @@
             <a:pPr algn="ctr"/>
             <a:r>
               <a:rPr lang="zh-TW" altLang="en-US" sz="1200" b="1" i="0" dirty="0">
+                <a:solidFill>
+                  <a:srgbClr val="FFFF00"/>
+                </a:solidFill>
                 <a:effectLst/>
                 <a:latin typeface="Lato" panose="020F0502020204030203" pitchFamily="34" charset="0"/>
               </a:rPr>
@@ -9386,7 +9445,11 @@
           <a:lstStyle/>
           <a:p>
             <a:r>
-              <a:rPr lang="en-US" altLang="zh-TW" sz="1200" b="1" dirty="0"/>
+              <a:rPr lang="en-US" altLang="zh-TW" sz="1200" b="1" dirty="0">
+                <a:solidFill>
+                  <a:srgbClr val="FFFF00"/>
+                </a:solidFill>
+              </a:rPr>
               <a:t>Implementation</a:t>
             </a:r>
           </a:p>
@@ -9394,6 +9457,9 @@
             <a:pPr algn="ctr"/>
             <a:r>
               <a:rPr lang="zh-TW" altLang="en-US" sz="1200" b="1" i="0" dirty="0">
+                <a:solidFill>
+                  <a:srgbClr val="FFFF00"/>
+                </a:solidFill>
                 <a:effectLst/>
                 <a:latin typeface="Lato" panose="020F0502020204030203" pitchFamily="34" charset="0"/>
               </a:rPr>
@@ -9431,7 +9497,11 @@
           <a:lstStyle/>
           <a:p>
             <a:r>
-              <a:rPr lang="en-US" altLang="zh-TW" sz="1200" b="1" dirty="0"/>
+              <a:rPr lang="en-US" altLang="zh-TW" sz="1200" b="1" dirty="0">
+                <a:solidFill>
+                  <a:srgbClr val="FFFF00"/>
+                </a:solidFill>
+              </a:rPr>
               <a:t>Implementation</a:t>
             </a:r>
           </a:p>
@@ -9439,6 +9509,9 @@
             <a:pPr algn="ctr"/>
             <a:r>
               <a:rPr lang="zh-TW" altLang="en-US" sz="1200" b="1" i="0" dirty="0">
+                <a:solidFill>
+                  <a:srgbClr val="FFFF00"/>
+                </a:solidFill>
                 <a:effectLst/>
                 <a:latin typeface="Lato" panose="020F0502020204030203" pitchFamily="34" charset="0"/>
               </a:rPr>
@@ -9476,17 +9549,28 @@
           <a:lstStyle/>
           <a:p>
             <a:r>
-              <a:rPr lang="en-US" altLang="zh-TW" sz="1200" b="1" dirty="0"/>
+              <a:rPr lang="en-US" altLang="zh-TW" sz="1200" b="1" dirty="0">
+                <a:solidFill>
+                  <a:srgbClr val="FFFF00"/>
+                </a:solidFill>
+              </a:rPr>
               <a:t>Association</a:t>
             </a:r>
           </a:p>
           <a:p>
             <a:pPr algn="ctr"/>
             <a:r>
-              <a:rPr lang="zh-TW" altLang="en-US" sz="1200" b="1" dirty="0"/>
+              <a:rPr lang="zh-TW" altLang="en-US" sz="1200" b="1" dirty="0">
+                <a:solidFill>
+                  <a:srgbClr val="FFFF00"/>
+                </a:solidFill>
+              </a:rPr>
               <a:t>關聯</a:t>
             </a:r>
             <a:endParaRPr lang="zh-TW" altLang="en-US" sz="1200" b="1" i="0" dirty="0">
+              <a:solidFill>
+                <a:srgbClr val="FFFF00"/>
+              </a:solidFill>
               <a:effectLst/>
               <a:latin typeface="Lato" panose="020F0502020204030203" pitchFamily="34" charset="0"/>
             </a:endParaRPr>
@@ -9522,17 +9606,28 @@
           <a:lstStyle/>
           <a:p>
             <a:r>
-              <a:rPr lang="en-US" altLang="zh-TW" sz="1200" b="1" dirty="0"/>
+              <a:rPr lang="en-US" altLang="zh-TW" sz="1200" b="1" dirty="0">
+                <a:solidFill>
+                  <a:srgbClr val="FFFF00"/>
+                </a:solidFill>
+              </a:rPr>
               <a:t>Association</a:t>
             </a:r>
           </a:p>
           <a:p>
             <a:pPr algn="ctr"/>
             <a:r>
-              <a:rPr lang="zh-TW" altLang="en-US" sz="1200" b="1" dirty="0"/>
+              <a:rPr lang="zh-TW" altLang="en-US" sz="1200" b="1" dirty="0">
+                <a:solidFill>
+                  <a:srgbClr val="FFFF00"/>
+                </a:solidFill>
+              </a:rPr>
               <a:t>關聯</a:t>
             </a:r>
             <a:endParaRPr lang="zh-TW" altLang="en-US" sz="1200" b="1" i="0" dirty="0">
+              <a:solidFill>
+                <a:srgbClr val="FFFF00"/>
+              </a:solidFill>
               <a:effectLst/>
               <a:latin typeface="Lato" panose="020F0502020204030203" pitchFamily="34" charset="0"/>
             </a:endParaRPr>
@@ -9543,6 +9638,233 @@
     <p:extLst>
       <p:ext uri="{BB962C8B-B14F-4D97-AF65-F5344CB8AC3E}">
         <p14:creationId xmlns:p14="http://schemas.microsoft.com/office/powerpoint/2010/main" val="2293767276"/>
+      </p:ext>
+    </p:extLst>
+  </p:cSld>
+  <p:clrMapOvr>
+    <a:masterClrMapping/>
+  </p:clrMapOvr>
+</p:sld>
+</file>
+
+<file path=ppt/slides/slide4.xml><?xml version="1.0" encoding="utf-8"?>
+<p:sld xmlns:a="http://schemas.openxmlformats.org/drawingml/2006/main" xmlns:r="http://schemas.openxmlformats.org/officeDocument/2006/relationships" xmlns:p="http://schemas.openxmlformats.org/presentationml/2006/main">
+  <p:cSld>
+    <p:spTree>
+      <p:nvGrpSpPr>
+        <p:cNvPr id="1" name="">
+          <a:extLst>
+            <a:ext uri="{FF2B5EF4-FFF2-40B4-BE49-F238E27FC236}">
+              <a16:creationId xmlns:a16="http://schemas.microsoft.com/office/drawing/2014/main" id="{39E4E51E-E10F-D38C-0130-3107734FAF58}"/>
+            </a:ext>
+          </a:extLst>
+        </p:cNvPr>
+        <p:cNvGrpSpPr/>
+        <p:nvPr/>
+      </p:nvGrpSpPr>
+      <p:grpSpPr>
+        <a:xfrm>
+          <a:off x="0" y="0"/>
+          <a:ext cx="0" cy="0"/>
+          <a:chOff x="0" y="0"/>
+          <a:chExt cx="0" cy="0"/>
+        </a:xfrm>
+      </p:grpSpPr>
+      <p:sp>
+        <p:nvSpPr>
+          <p:cNvPr id="2" name="標題 1">
+            <a:extLst>
+              <a:ext uri="{FF2B5EF4-FFF2-40B4-BE49-F238E27FC236}">
+                <a16:creationId xmlns:a16="http://schemas.microsoft.com/office/drawing/2014/main" id="{8B146489-9079-0884-6E16-A15F5D7BAA9B}"/>
+              </a:ext>
+            </a:extLst>
+          </p:cNvPr>
+          <p:cNvSpPr>
+            <a:spLocks noGrp="1"/>
+          </p:cNvSpPr>
+          <p:nvPr>
+            <p:ph type="title"/>
+          </p:nvPr>
+        </p:nvSpPr>
+        <p:spPr>
+          <a:xfrm>
+            <a:off x="716179" y="137898"/>
+            <a:ext cx="3074988" cy="1507067"/>
+          </a:xfrm>
+        </p:spPr>
+        <p:txBody>
+          <a:bodyPr>
+            <a:normAutofit/>
+          </a:bodyPr>
+          <a:lstStyle/>
+          <a:p>
+            <a:r>
+              <a:rPr lang="zh-TW" altLang="en-US" sz="5400" b="1" dirty="0">
+                <a:solidFill>
+                  <a:schemeClr val="accent2">
+                    <a:lumMod val="60000"/>
+                    <a:lumOff val="40000"/>
+                  </a:schemeClr>
+                </a:solidFill>
+              </a:rPr>
+              <a:t>核心功能</a:t>
+            </a:r>
+          </a:p>
+        </p:txBody>
+      </p:sp>
+      <p:sp>
+        <p:nvSpPr>
+          <p:cNvPr id="5" name="文字方塊 4">
+            <a:extLst>
+              <a:ext uri="{FF2B5EF4-FFF2-40B4-BE49-F238E27FC236}">
+                <a16:creationId xmlns:a16="http://schemas.microsoft.com/office/drawing/2014/main" id="{564DBD70-E87E-B16D-876E-2830F5F9429B}"/>
+              </a:ext>
+            </a:extLst>
+          </p:cNvPr>
+          <p:cNvSpPr txBox="1"/>
+          <p:nvPr/>
+        </p:nvSpPr>
+        <p:spPr>
+          <a:xfrm>
+            <a:off x="847552" y="5781962"/>
+            <a:ext cx="6439939" cy="369332"/>
+          </a:xfrm>
+          <a:prstGeom prst="rect">
+            <a:avLst/>
+          </a:prstGeom>
+          <a:noFill/>
+        </p:spPr>
+        <p:txBody>
+          <a:bodyPr wrap="square">
+            <a:spAutoFit/>
+          </a:bodyPr>
+          <a:lstStyle/>
+          <a:p>
+            <a:r>
+              <a:rPr lang="zh-TW" altLang="en-US" sz="1800" dirty="0">
+                <a:effectLst/>
+                <a:latin typeface="Times New Roman" panose="02020603050405020304" pitchFamily="18" charset="0"/>
+                <a:ea typeface="標楷體" panose="03000509000000000000" pitchFamily="65" charset="-120"/>
+              </a:rPr>
+              <a:t>*課本應用：</a:t>
+            </a:r>
+            <a:r>
+              <a:rPr lang="en-US" altLang="zh-TW" sz="1800" dirty="0">
+                <a:effectLst/>
+                <a:latin typeface="Times New Roman" panose="02020603050405020304" pitchFamily="18" charset="0"/>
+                <a:ea typeface="標楷體" panose="03000509000000000000" pitchFamily="65" charset="-120"/>
+              </a:rPr>
+              <a:t>CH</a:t>
+            </a:r>
+            <a:r>
+              <a:rPr lang="zh-TW" altLang="en-US" sz="1800" dirty="0">
+                <a:effectLst/>
+                <a:latin typeface="Times New Roman" panose="02020603050405020304" pitchFamily="18" charset="0"/>
+                <a:ea typeface="標楷體" panose="03000509000000000000" pitchFamily="65" charset="-120"/>
+              </a:rPr>
+              <a:t> </a:t>
+            </a:r>
+            <a:r>
+              <a:rPr lang="en-US" altLang="zh-TW" sz="1800" dirty="0">
+                <a:effectLst/>
+                <a:latin typeface="Times New Roman" panose="02020603050405020304" pitchFamily="18" charset="0"/>
+                <a:ea typeface="標楷體" panose="03000509000000000000" pitchFamily="65" charset="-120"/>
+              </a:rPr>
+              <a:t>14</a:t>
+            </a:r>
+            <a:r>
+              <a:rPr lang="zh-TW" altLang="en-US" sz="1800" dirty="0">
+                <a:effectLst/>
+                <a:latin typeface="Times New Roman" panose="02020603050405020304" pitchFamily="18" charset="0"/>
+                <a:ea typeface="標楷體" panose="03000509000000000000" pitchFamily="65" charset="-120"/>
+              </a:rPr>
+              <a:t> </a:t>
+            </a:r>
+            <a:r>
+              <a:rPr lang="en-US" altLang="zh-TW" sz="1800" dirty="0">
+                <a:effectLst/>
+                <a:latin typeface="Times New Roman" panose="02020603050405020304" pitchFamily="18" charset="0"/>
+                <a:ea typeface="標楷體" panose="03000509000000000000" pitchFamily="65" charset="-120"/>
+              </a:rPr>
+              <a:t>”MenuStrip’</a:t>
+            </a:r>
+            <a:r>
+              <a:rPr lang="zh-TW" altLang="en-US" sz="1800" dirty="0">
+                <a:effectLst/>
+                <a:latin typeface="Times New Roman" panose="02020603050405020304" pitchFamily="18" charset="0"/>
+                <a:ea typeface="標楷體" panose="03000509000000000000" pitchFamily="65" charset="-120"/>
+              </a:rPr>
+              <a:t>功能表</a:t>
+            </a:r>
+            <a:r>
+              <a:rPr lang="zh-TW" altLang="zh-TW" sz="1800" dirty="0">
+                <a:effectLst/>
+                <a:latin typeface="Times New Roman" panose="02020603050405020304" pitchFamily="18" charset="0"/>
+                <a:ea typeface="標楷體" panose="03000509000000000000" pitchFamily="65" charset="-120"/>
+                <a:cs typeface="Times New Roman" panose="02020603050405020304" pitchFamily="18" charset="0"/>
+              </a:rPr>
+              <a:t>控制項</a:t>
+            </a:r>
+            <a:r>
+              <a:rPr lang="zh-TW" altLang="en-US" sz="1800" dirty="0">
+                <a:effectLst/>
+                <a:latin typeface="Times New Roman" panose="02020603050405020304" pitchFamily="18" charset="0"/>
+                <a:ea typeface="標楷體" panose="03000509000000000000" pitchFamily="65" charset="-120"/>
+                <a:cs typeface="Times New Roman" panose="02020603050405020304" pitchFamily="18" charset="0"/>
+              </a:rPr>
+              <a:t>以及</a:t>
+            </a:r>
+            <a:r>
+              <a:rPr lang="zh-TW" altLang="en-US" dirty="0">
+                <a:latin typeface="Times New Roman" panose="02020603050405020304" pitchFamily="18" charset="0"/>
+                <a:ea typeface="標楷體" panose="03000509000000000000" pitchFamily="65" charset="-120"/>
+                <a:cs typeface="Times New Roman" panose="02020603050405020304" pitchFamily="18" charset="0"/>
+              </a:rPr>
+              <a:t>多表單應用</a:t>
+            </a:r>
+            <a:endParaRPr lang="zh-TW" altLang="en-US" dirty="0"/>
+          </a:p>
+        </p:txBody>
+      </p:sp>
+      <p:pic>
+        <p:nvPicPr>
+          <p:cNvPr id="3" name="圖片 2">
+            <a:extLst>
+              <a:ext uri="{FF2B5EF4-FFF2-40B4-BE49-F238E27FC236}">
+                <a16:creationId xmlns:a16="http://schemas.microsoft.com/office/drawing/2014/main" id="{2707A532-C4D5-EF6B-E9CD-501FD26C3089}"/>
+              </a:ext>
+            </a:extLst>
+          </p:cNvPr>
+          <p:cNvPicPr>
+            <a:picLocks noChangeAspect="1"/>
+          </p:cNvPicPr>
+          <p:nvPr/>
+        </p:nvPicPr>
+        <p:blipFill>
+          <a:blip r:embed="rId2"/>
+          <a:stretch>
+            <a:fillRect/>
+          </a:stretch>
+        </p:blipFill>
+        <p:spPr>
+          <a:xfrm>
+            <a:off x="847552" y="1811220"/>
+            <a:ext cx="10651721" cy="2668417"/>
+          </a:xfrm>
+          <a:prstGeom prst="rect">
+            <a:avLst/>
+          </a:prstGeom>
+          <a:ln>
+            <a:solidFill>
+              <a:schemeClr val="tx1"/>
+            </a:solidFill>
+          </a:ln>
+        </p:spPr>
+      </p:pic>
+    </p:spTree>
+    <p:extLst>
+      <p:ext uri="{BB962C8B-B14F-4D97-AF65-F5344CB8AC3E}">
+        <p14:creationId xmlns:p14="http://schemas.microsoft.com/office/powerpoint/2010/main" val="2492448246"/>
       </p:ext>
     </p:extLst>
   </p:cSld>
